--- a/demos/GUI Layout Toolbox.pptx
+++ b/demos/GUI Layout Toolbox.pptx
@@ -30,7 +30,7 @@
     <p:sldId id="293" r:id="rId18"/>
   </p:sldIdLst>
   <p:sldSz cx="12192000" cy="6858000"/>
-  <p:notesSz cx="6858000" cy="9144000"/>
+  <p:notesSz cx="6718300" cy="9855200"/>
   <p:defaultTextStyle>
     <a:defPPr>
       <a:defRPr lang="en-US"/>
@@ -143,12 +143,12 @@
     </p:ext>
     <p:ext uri="{2D200454-40CA-4A62-9FC3-DE9A4176ACB9}">
       <p15:notesGuideLst xmlns:p15="http://schemas.microsoft.com/office/powerpoint/2012/main">
-        <p15:guide id="1" orient="horz" pos="2880">
+        <p15:guide id="1" orient="horz" pos="3104" userDrawn="1">
           <p15:clr>
             <a:srgbClr val="A4A3A4"/>
           </p15:clr>
         </p15:guide>
-        <p15:guide id="2" pos="2160">
+        <p15:guide id="2" pos="2116" userDrawn="1">
           <p15:clr>
             <a:srgbClr val="A4A3A4"/>
           </p15:clr>
@@ -194,7 +194,7 @@
         <p:spPr>
           <a:xfrm>
             <a:off x="0" y="0"/>
-            <a:ext cx="2971800" cy="457200"/>
+            <a:ext cx="2911263" cy="492760"/>
           </a:xfrm>
           <a:prstGeom prst="rect">
             <a:avLst/>
@@ -224,8 +224,8 @@
         </p:nvSpPr>
         <p:spPr>
           <a:xfrm>
-            <a:off x="3884613" y="0"/>
-            <a:ext cx="2971800" cy="457200"/>
+            <a:off x="3805482" y="0"/>
+            <a:ext cx="2911263" cy="492760"/>
           </a:xfrm>
           <a:prstGeom prst="rect">
             <a:avLst/>
@@ -242,7 +242,7 @@
             <a:fld id="{5F993C83-2184-4286-ABE1-941A40B40C8F}" type="datetimeFigureOut">
               <a:rPr lang="en-US" smtClean="0"/>
               <a:pPr/>
-              <a:t>8/15/2016</a:t>
+              <a:t>8/16/2016</a:t>
             </a:fld>
             <a:endParaRPr lang="en-US"/>
           </a:p>
@@ -260,8 +260,8 @@
         </p:nvSpPr>
         <p:spPr>
           <a:xfrm>
-            <a:off x="0" y="8685213"/>
-            <a:ext cx="2971800" cy="457200"/>
+            <a:off x="0" y="9360730"/>
+            <a:ext cx="2911263" cy="492760"/>
           </a:xfrm>
           <a:prstGeom prst="rect">
             <a:avLst/>
@@ -291,8 +291,8 @@
         </p:nvSpPr>
         <p:spPr>
           <a:xfrm>
-            <a:off x="3884613" y="8685213"/>
-            <a:ext cx="2971800" cy="457200"/>
+            <a:off x="3805482" y="9360730"/>
+            <a:ext cx="2911263" cy="492760"/>
           </a:xfrm>
           <a:prstGeom prst="rect">
             <a:avLst/>
@@ -361,7 +361,7 @@
         <p:spPr>
           <a:xfrm>
             <a:off x="0" y="0"/>
-            <a:ext cx="2971800" cy="457200"/>
+            <a:ext cx="2911263" cy="492760"/>
           </a:xfrm>
           <a:prstGeom prst="rect">
             <a:avLst/>
@@ -391,8 +391,8 @@
         </p:nvSpPr>
         <p:spPr>
           <a:xfrm>
-            <a:off x="3884613" y="0"/>
-            <a:ext cx="2971800" cy="457200"/>
+            <a:off x="3805482" y="0"/>
+            <a:ext cx="2911263" cy="492760"/>
           </a:xfrm>
           <a:prstGeom prst="rect">
             <a:avLst/>
@@ -409,7 +409,7 @@
             <a:fld id="{6053241F-7ED4-45AC-844C-15DB0D5F9CCD}" type="datetimeFigureOut">
               <a:rPr lang="en-US" smtClean="0"/>
               <a:pPr/>
-              <a:t>8/15/2016</a:t>
+              <a:t>8/16/2016</a:t>
             </a:fld>
             <a:endParaRPr lang="en-US"/>
           </a:p>
@@ -427,8 +427,8 @@
         </p:nvSpPr>
         <p:spPr>
           <a:xfrm>
-            <a:off x="381000" y="685800"/>
-            <a:ext cx="6096000" cy="3429000"/>
+            <a:off x="74613" y="739775"/>
+            <a:ext cx="6569075" cy="3695700"/>
           </a:xfrm>
           <a:prstGeom prst="rect">
             <a:avLst/>
@@ -460,8 +460,8 @@
         </p:nvSpPr>
         <p:spPr>
           <a:xfrm>
-            <a:off x="685800" y="4343400"/>
-            <a:ext cx="5486400" cy="4114800"/>
+            <a:off x="671830" y="4681220"/>
+            <a:ext cx="5374640" cy="4434840"/>
           </a:xfrm>
           <a:prstGeom prst="rect">
             <a:avLst/>
@@ -521,8 +521,8 @@
         </p:nvSpPr>
         <p:spPr>
           <a:xfrm>
-            <a:off x="0" y="8685213"/>
-            <a:ext cx="2971800" cy="457200"/>
+            <a:off x="0" y="9360730"/>
+            <a:ext cx="2911263" cy="492760"/>
           </a:xfrm>
           <a:prstGeom prst="rect">
             <a:avLst/>
@@ -552,8 +552,8 @@
         </p:nvSpPr>
         <p:spPr>
           <a:xfrm>
-            <a:off x="3884613" y="8685213"/>
-            <a:ext cx="2971800" cy="457200"/>
+            <a:off x="3805482" y="9360730"/>
+            <a:ext cx="2911263" cy="492760"/>
           </a:xfrm>
           <a:prstGeom prst="rect">
             <a:avLst/>
@@ -3370,7 +3370,7 @@
             <a:pPr lvl="1"/>
             <a:r>
               <a:rPr lang="en-GB" dirty="0"/>
-              <a:t>JLR app store, </a:t>
+              <a:t>JLR MATLAB App Store, </a:t>
             </a:r>
             <a:r>
               <a:rPr lang="en-GB" dirty="0">
@@ -3918,7 +3918,7 @@
             <a:pPr lvl="1"/>
             <a:r>
               <a:rPr lang="en-GB" dirty="0"/>
-              <a:t>From the App Store, </a:t>
+              <a:t>From the JLR App Store, </a:t>
             </a:r>
             <a:r>
               <a:rPr lang="en-GB" u="sng" dirty="0">
@@ -4276,7 +4276,7 @@
                 </a:solidFill>
                 <a:latin typeface="Courier New" panose="02070309020205020404" pitchFamily="49" charset="0"/>
               </a:rPr>
-              <a:t>b1 = </a:t>
+              <a:t>c1 = </a:t>
             </a:r>
             <a:r>
               <a:rPr lang="en-GB" b="1" dirty="0" err="1">
@@ -4572,7 +4572,7 @@
                 </a:solidFill>
                 <a:latin typeface="Courier New" panose="02070309020205020404" pitchFamily="49" charset="0"/>
               </a:rPr>
-              <a:t>b2 = </a:t>
+              <a:t>c2 = </a:t>
             </a:r>
             <a:r>
               <a:rPr lang="en-GB" b="1" dirty="0" err="1">
@@ -4664,7 +4664,7 @@
                 </a:solidFill>
                 <a:latin typeface="Courier New" panose="02070309020205020404" pitchFamily="49" charset="0"/>
               </a:rPr>
-              <a:t>b3 = </a:t>
+              <a:t>c3 = </a:t>
             </a:r>
             <a:r>
               <a:rPr lang="en-GB" b="1" dirty="0" err="1">
@@ -4816,6 +4816,426 @@
           </a:p>
         </p:txBody>
       </p:sp>
+      <p:grpSp>
+        <p:nvGrpSpPr>
+          <p:cNvPr id="15" name="Group 14"/>
+          <p:cNvGrpSpPr/>
+          <p:nvPr/>
+        </p:nvGrpSpPr>
+        <p:grpSpPr>
+          <a:xfrm>
+            <a:off x="2063552" y="5425189"/>
+            <a:ext cx="5323413" cy="400110"/>
+            <a:chOff x="2063552" y="5425189"/>
+            <a:chExt cx="5323413" cy="400110"/>
+          </a:xfrm>
+        </p:grpSpPr>
+        <p:sp>
+          <p:nvSpPr>
+            <p:cNvPr id="4" name="Rectangle 3"/>
+            <p:cNvSpPr/>
+            <p:nvPr/>
+          </p:nvSpPr>
+          <p:spPr>
+            <a:xfrm>
+              <a:off x="2063552" y="5445224"/>
+              <a:ext cx="2088232" cy="360040"/>
+            </a:xfrm>
+            <a:prstGeom prst="rect">
+              <a:avLst/>
+            </a:prstGeom>
+            <a:noFill/>
+            <a:ln w="38100">
+              <a:solidFill>
+                <a:srgbClr val="FF0000"/>
+              </a:solidFill>
+            </a:ln>
+          </p:spPr>
+          <p:style>
+            <a:lnRef idx="2">
+              <a:schemeClr val="accent1"/>
+            </a:lnRef>
+            <a:fillRef idx="1">
+              <a:schemeClr val="lt1"/>
+            </a:fillRef>
+            <a:effectRef idx="0">
+              <a:schemeClr val="accent1"/>
+            </a:effectRef>
+            <a:fontRef idx="minor">
+              <a:schemeClr val="dk1"/>
+            </a:fontRef>
+          </p:style>
+          <p:txBody>
+            <a:bodyPr rtlCol="0" anchor="ctr"/>
+            <a:lstStyle/>
+            <a:p>
+              <a:pPr algn="ctr"/>
+              <a:endParaRPr lang="en-GB" b="1" dirty="0">
+                <a:ln>
+                  <a:solidFill>
+                    <a:srgbClr val="FF0000"/>
+                  </a:solidFill>
+                </a:ln>
+                <a:solidFill>
+                  <a:schemeClr val="tx1"/>
+                </a:solidFill>
+                <a:latin typeface="Arial" pitchFamily="34" charset="0"/>
+                <a:cs typeface="Arial" pitchFamily="34" charset="0"/>
+              </a:endParaRPr>
+            </a:p>
+          </p:txBody>
+        </p:sp>
+        <p:sp>
+          <p:nvSpPr>
+            <p:cNvPr id="5" name="TextBox 4"/>
+            <p:cNvSpPr txBox="1"/>
+            <p:nvPr/>
+          </p:nvSpPr>
+          <p:spPr>
+            <a:xfrm>
+              <a:off x="4151784" y="5425189"/>
+              <a:ext cx="3235181" cy="400110"/>
+            </a:xfrm>
+            <a:prstGeom prst="rect">
+              <a:avLst/>
+            </a:prstGeom>
+            <a:noFill/>
+          </p:spPr>
+          <p:txBody>
+            <a:bodyPr wrap="none" rtlCol="0">
+              <a:spAutoFit/>
+            </a:bodyPr>
+            <a:lstStyle/>
+            <a:p>
+              <a:r>
+                <a:rPr lang="en-GB" sz="2000" dirty="0">
+                  <a:solidFill>
+                    <a:srgbClr val="FF0000"/>
+                  </a:solidFill>
+                  <a:latin typeface="Arial" pitchFamily="34" charset="0"/>
+                  <a:cs typeface="Arial" pitchFamily="34" charset="0"/>
+                </a:rPr>
+                <a:t>absolute and relative sizes</a:t>
+              </a:r>
+            </a:p>
+          </p:txBody>
+        </p:sp>
+      </p:grpSp>
+      <p:grpSp>
+        <p:nvGrpSpPr>
+          <p:cNvPr id="13" name="Group 12"/>
+          <p:cNvGrpSpPr/>
+          <p:nvPr/>
+        </p:nvGrpSpPr>
+        <p:grpSpPr>
+          <a:xfrm>
+            <a:off x="4156962" y="2584939"/>
+            <a:ext cx="3811246" cy="712495"/>
+            <a:chOff x="4156962" y="2584939"/>
+            <a:chExt cx="3811246" cy="712495"/>
+          </a:xfrm>
+        </p:grpSpPr>
+        <p:sp>
+          <p:nvSpPr>
+            <p:cNvPr id="6" name="Rectangle 5"/>
+            <p:cNvSpPr/>
+            <p:nvPr/>
+          </p:nvSpPr>
+          <p:spPr>
+            <a:xfrm>
+              <a:off x="4156962" y="2584939"/>
+              <a:ext cx="3811246" cy="360040"/>
+            </a:xfrm>
+            <a:prstGeom prst="rect">
+              <a:avLst/>
+            </a:prstGeom>
+            <a:noFill/>
+            <a:ln w="38100">
+              <a:solidFill>
+                <a:srgbClr val="FF0000"/>
+              </a:solidFill>
+            </a:ln>
+          </p:spPr>
+          <p:style>
+            <a:lnRef idx="2">
+              <a:schemeClr val="accent1"/>
+            </a:lnRef>
+            <a:fillRef idx="1">
+              <a:schemeClr val="lt1"/>
+            </a:fillRef>
+            <a:effectRef idx="0">
+              <a:schemeClr val="accent1"/>
+            </a:effectRef>
+            <a:fontRef idx="minor">
+              <a:schemeClr val="dk1"/>
+            </a:fontRef>
+          </p:style>
+          <p:txBody>
+            <a:bodyPr rtlCol="0" anchor="ctr"/>
+            <a:lstStyle/>
+            <a:p>
+              <a:pPr algn="ctr"/>
+              <a:endParaRPr lang="en-GB" b="1" dirty="0">
+                <a:ln>
+                  <a:solidFill>
+                    <a:srgbClr val="FF0000"/>
+                  </a:solidFill>
+                </a:ln>
+                <a:solidFill>
+                  <a:schemeClr val="tx1"/>
+                </a:solidFill>
+                <a:latin typeface="Arial" pitchFamily="34" charset="0"/>
+                <a:cs typeface="Arial" pitchFamily="34" charset="0"/>
+              </a:endParaRPr>
+            </a:p>
+          </p:txBody>
+        </p:sp>
+        <p:sp>
+          <p:nvSpPr>
+            <p:cNvPr id="7" name="TextBox 6"/>
+            <p:cNvSpPr txBox="1"/>
+            <p:nvPr/>
+          </p:nvSpPr>
+          <p:spPr>
+            <a:xfrm>
+              <a:off x="4808876" y="2897324"/>
+              <a:ext cx="2507418" cy="400110"/>
+            </a:xfrm>
+            <a:prstGeom prst="rect">
+              <a:avLst/>
+            </a:prstGeom>
+            <a:noFill/>
+          </p:spPr>
+          <p:txBody>
+            <a:bodyPr wrap="none" rtlCol="0">
+              <a:spAutoFit/>
+            </a:bodyPr>
+            <a:lstStyle/>
+            <a:p>
+              <a:r>
+                <a:rPr lang="en-GB" sz="2000" dirty="0">
+                  <a:solidFill>
+                    <a:srgbClr val="FF0000"/>
+                  </a:solidFill>
+                  <a:latin typeface="Arial" pitchFamily="34" charset="0"/>
+                  <a:cs typeface="Arial" pitchFamily="34" charset="0"/>
+                </a:rPr>
+                <a:t>container properties</a:t>
+              </a:r>
+            </a:p>
+          </p:txBody>
+        </p:sp>
+      </p:grpSp>
+      <p:grpSp>
+        <p:nvGrpSpPr>
+          <p:cNvPr id="12" name="Group 11"/>
+          <p:cNvGrpSpPr/>
+          <p:nvPr/>
+        </p:nvGrpSpPr>
+        <p:grpSpPr>
+          <a:xfrm>
+            <a:off x="2331673" y="2583376"/>
+            <a:ext cx="2036135" cy="712495"/>
+            <a:chOff x="2331673" y="2583376"/>
+            <a:chExt cx="2036135" cy="712495"/>
+          </a:xfrm>
+        </p:grpSpPr>
+        <p:sp>
+          <p:nvSpPr>
+            <p:cNvPr id="8" name="Rectangle 7"/>
+            <p:cNvSpPr/>
+            <p:nvPr/>
+          </p:nvSpPr>
+          <p:spPr>
+            <a:xfrm>
+              <a:off x="2495600" y="2583376"/>
+              <a:ext cx="1584176" cy="360040"/>
+            </a:xfrm>
+            <a:prstGeom prst="rect">
+              <a:avLst/>
+            </a:prstGeom>
+            <a:noFill/>
+            <a:ln w="38100">
+              <a:solidFill>
+                <a:srgbClr val="FF0000"/>
+              </a:solidFill>
+            </a:ln>
+          </p:spPr>
+          <p:style>
+            <a:lnRef idx="2">
+              <a:schemeClr val="accent1"/>
+            </a:lnRef>
+            <a:fillRef idx="1">
+              <a:schemeClr val="lt1"/>
+            </a:fillRef>
+            <a:effectRef idx="0">
+              <a:schemeClr val="accent1"/>
+            </a:effectRef>
+            <a:fontRef idx="minor">
+              <a:schemeClr val="dk1"/>
+            </a:fontRef>
+          </p:style>
+          <p:txBody>
+            <a:bodyPr rtlCol="0" anchor="ctr"/>
+            <a:lstStyle/>
+            <a:p>
+              <a:pPr algn="ctr"/>
+              <a:endParaRPr lang="en-GB" b="1" dirty="0">
+                <a:ln>
+                  <a:solidFill>
+                    <a:srgbClr val="FF0000"/>
+                  </a:solidFill>
+                </a:ln>
+                <a:solidFill>
+                  <a:schemeClr val="tx1"/>
+                </a:solidFill>
+                <a:latin typeface="Arial" pitchFamily="34" charset="0"/>
+                <a:cs typeface="Arial" pitchFamily="34" charset="0"/>
+              </a:endParaRPr>
+            </a:p>
+          </p:txBody>
+        </p:sp>
+        <p:sp>
+          <p:nvSpPr>
+            <p:cNvPr id="9" name="TextBox 8"/>
+            <p:cNvSpPr txBox="1"/>
+            <p:nvPr/>
+          </p:nvSpPr>
+          <p:spPr>
+            <a:xfrm>
+              <a:off x="2331673" y="2895761"/>
+              <a:ext cx="2036135" cy="400110"/>
+            </a:xfrm>
+            <a:prstGeom prst="rect">
+              <a:avLst/>
+            </a:prstGeom>
+            <a:noFill/>
+          </p:spPr>
+          <p:txBody>
+            <a:bodyPr wrap="none" rtlCol="0">
+              <a:spAutoFit/>
+            </a:bodyPr>
+            <a:lstStyle/>
+            <a:p>
+              <a:r>
+                <a:rPr lang="en-GB" sz="2000" dirty="0">
+                  <a:solidFill>
+                    <a:srgbClr val="FF0000"/>
+                  </a:solidFill>
+                  <a:latin typeface="Arial" pitchFamily="34" charset="0"/>
+                  <a:cs typeface="Arial" pitchFamily="34" charset="0"/>
+                </a:rPr>
+                <a:t>container parent</a:t>
+              </a:r>
+            </a:p>
+          </p:txBody>
+        </p:sp>
+      </p:grpSp>
+      <p:grpSp>
+        <p:nvGrpSpPr>
+          <p:cNvPr id="14" name="Group 13"/>
+          <p:cNvGrpSpPr/>
+          <p:nvPr/>
+        </p:nvGrpSpPr>
+        <p:grpSpPr>
+          <a:xfrm>
+            <a:off x="623392" y="3382820"/>
+            <a:ext cx="7791406" cy="1654692"/>
+            <a:chOff x="623392" y="3382820"/>
+            <a:chExt cx="7791406" cy="1654692"/>
+          </a:xfrm>
+        </p:grpSpPr>
+        <p:sp>
+          <p:nvSpPr>
+            <p:cNvPr id="10" name="Rectangle 9"/>
+            <p:cNvSpPr/>
+            <p:nvPr/>
+          </p:nvSpPr>
+          <p:spPr>
+            <a:xfrm>
+              <a:off x="623392" y="3382820"/>
+              <a:ext cx="6624736" cy="1625061"/>
+            </a:xfrm>
+            <a:prstGeom prst="rect">
+              <a:avLst/>
+            </a:prstGeom>
+            <a:noFill/>
+            <a:ln w="38100">
+              <a:solidFill>
+                <a:srgbClr val="FF0000"/>
+              </a:solidFill>
+            </a:ln>
+          </p:spPr>
+          <p:style>
+            <a:lnRef idx="2">
+              <a:schemeClr val="accent1"/>
+            </a:lnRef>
+            <a:fillRef idx="1">
+              <a:schemeClr val="lt1"/>
+            </a:fillRef>
+            <a:effectRef idx="0">
+              <a:schemeClr val="accent1"/>
+            </a:effectRef>
+            <a:fontRef idx="minor">
+              <a:schemeClr val="dk1"/>
+            </a:fontRef>
+          </p:style>
+          <p:txBody>
+            <a:bodyPr rtlCol="0" anchor="ctr"/>
+            <a:lstStyle/>
+            <a:p>
+              <a:pPr algn="ctr"/>
+              <a:endParaRPr lang="en-GB" b="1" dirty="0">
+                <a:ln>
+                  <a:solidFill>
+                    <a:srgbClr val="FF0000"/>
+                  </a:solidFill>
+                </a:ln>
+                <a:solidFill>
+                  <a:schemeClr val="tx1"/>
+                </a:solidFill>
+                <a:latin typeface="Arial" pitchFamily="34" charset="0"/>
+                <a:cs typeface="Arial" pitchFamily="34" charset="0"/>
+              </a:endParaRPr>
+            </a:p>
+          </p:txBody>
+        </p:sp>
+        <p:sp>
+          <p:nvSpPr>
+            <p:cNvPr id="11" name="TextBox 10"/>
+            <p:cNvSpPr txBox="1"/>
+            <p:nvPr/>
+          </p:nvSpPr>
+          <p:spPr>
+            <a:xfrm>
+              <a:off x="7261918" y="4637402"/>
+              <a:ext cx="1152880" cy="400110"/>
+            </a:xfrm>
+            <a:prstGeom prst="rect">
+              <a:avLst/>
+            </a:prstGeom>
+            <a:noFill/>
+          </p:spPr>
+          <p:txBody>
+            <a:bodyPr wrap="none" rtlCol="0">
+              <a:spAutoFit/>
+            </a:bodyPr>
+            <a:lstStyle/>
+            <a:p>
+              <a:r>
+                <a:rPr lang="en-GB" sz="2000" dirty="0">
+                  <a:solidFill>
+                    <a:srgbClr val="FF0000"/>
+                  </a:solidFill>
+                  <a:latin typeface="Arial" pitchFamily="34" charset="0"/>
+                  <a:cs typeface="Arial" pitchFamily="34" charset="0"/>
+                </a:rPr>
+                <a:t>contents</a:t>
+              </a:r>
+            </a:p>
+          </p:txBody>
+        </p:sp>
+      </p:grpSp>
     </p:spTree>
     <p:extLst>
       <p:ext uri="{BB962C8B-B14F-4D97-AF65-F5344CB8AC3E}">
@@ -4826,6 +5246,264 @@
   <p:clrMapOvr>
     <a:masterClrMapping/>
   </p:clrMapOvr>
+  <p:timing>
+    <p:tnLst>
+      <p:par>
+        <p:cTn id="1" dur="indefinite" restart="never" nodeType="tmRoot">
+          <p:childTnLst>
+            <p:seq concurrent="1" nextAc="seek">
+              <p:cTn id="2" dur="indefinite" nodeType="mainSeq">
+                <p:childTnLst>
+                  <p:par>
+                    <p:cTn id="3" fill="hold">
+                      <p:stCondLst>
+                        <p:cond delay="indefinite"/>
+                      </p:stCondLst>
+                      <p:childTnLst>
+                        <p:par>
+                          <p:cTn id="4" fill="hold">
+                            <p:stCondLst>
+                              <p:cond delay="0"/>
+                            </p:stCondLst>
+                            <p:childTnLst>
+                              <p:par>
+                                <p:cTn id="5" presetID="1" presetClass="entr" presetSubtype="0" fill="hold" nodeType="clickEffect">
+                                  <p:stCondLst>
+                                    <p:cond delay="0"/>
+                                  </p:stCondLst>
+                                  <p:childTnLst>
+                                    <p:set>
+                                      <p:cBhvr>
+                                        <p:cTn id="6" dur="1" fill="hold">
+                                          <p:stCondLst>
+                                            <p:cond delay="0"/>
+                                          </p:stCondLst>
+                                        </p:cTn>
+                                        <p:tgtEl>
+                                          <p:spTgt spid="12"/>
+                                        </p:tgtEl>
+                                        <p:attrNameLst>
+                                          <p:attrName>style.visibility</p:attrName>
+                                        </p:attrNameLst>
+                                      </p:cBhvr>
+                                      <p:to>
+                                        <p:strVal val="visible"/>
+                                      </p:to>
+                                    </p:set>
+                                  </p:childTnLst>
+                                  <p:subTnLst>
+                                    <p:set>
+                                      <p:cBhvr override="childStyle">
+                                        <p:cTn dur="1" fill="hold" display="0" masterRel="nextClick" afterEffect="1"/>
+                                        <p:tgtEl>
+                                          <p:spTgt spid="12"/>
+                                        </p:tgtEl>
+                                        <p:attrNameLst>
+                                          <p:attrName>style.visibility</p:attrName>
+                                        </p:attrNameLst>
+                                      </p:cBhvr>
+                                      <p:to>
+                                        <p:strVal val="hidden"/>
+                                      </p:to>
+                                    </p:set>
+                                  </p:subTnLst>
+                                </p:cTn>
+                              </p:par>
+                            </p:childTnLst>
+                          </p:cTn>
+                        </p:par>
+                      </p:childTnLst>
+                    </p:cTn>
+                  </p:par>
+                  <p:par>
+                    <p:cTn id="7" fill="hold">
+                      <p:stCondLst>
+                        <p:cond delay="indefinite"/>
+                      </p:stCondLst>
+                      <p:childTnLst>
+                        <p:par>
+                          <p:cTn id="8" fill="hold">
+                            <p:stCondLst>
+                              <p:cond delay="0"/>
+                            </p:stCondLst>
+                            <p:childTnLst>
+                              <p:par>
+                                <p:cTn id="9" presetID="1" presetClass="entr" presetSubtype="0" fill="hold" nodeType="clickEffect">
+                                  <p:stCondLst>
+                                    <p:cond delay="0"/>
+                                  </p:stCondLst>
+                                  <p:childTnLst>
+                                    <p:set>
+                                      <p:cBhvr>
+                                        <p:cTn id="10" dur="1" fill="hold">
+                                          <p:stCondLst>
+                                            <p:cond delay="0"/>
+                                          </p:stCondLst>
+                                        </p:cTn>
+                                        <p:tgtEl>
+                                          <p:spTgt spid="13"/>
+                                        </p:tgtEl>
+                                        <p:attrNameLst>
+                                          <p:attrName>style.visibility</p:attrName>
+                                        </p:attrNameLst>
+                                      </p:cBhvr>
+                                      <p:to>
+                                        <p:strVal val="visible"/>
+                                      </p:to>
+                                    </p:set>
+                                  </p:childTnLst>
+                                  <p:subTnLst>
+                                    <p:set>
+                                      <p:cBhvr override="childStyle">
+                                        <p:cTn dur="1" fill="hold" display="0" masterRel="nextClick" afterEffect="1"/>
+                                        <p:tgtEl>
+                                          <p:spTgt spid="13"/>
+                                        </p:tgtEl>
+                                        <p:attrNameLst>
+                                          <p:attrName>style.visibility</p:attrName>
+                                        </p:attrNameLst>
+                                      </p:cBhvr>
+                                      <p:to>
+                                        <p:strVal val="hidden"/>
+                                      </p:to>
+                                    </p:set>
+                                  </p:subTnLst>
+                                </p:cTn>
+                              </p:par>
+                            </p:childTnLst>
+                          </p:cTn>
+                        </p:par>
+                      </p:childTnLst>
+                    </p:cTn>
+                  </p:par>
+                  <p:par>
+                    <p:cTn id="11" fill="hold">
+                      <p:stCondLst>
+                        <p:cond delay="indefinite"/>
+                      </p:stCondLst>
+                      <p:childTnLst>
+                        <p:par>
+                          <p:cTn id="12" fill="hold">
+                            <p:stCondLst>
+                              <p:cond delay="0"/>
+                            </p:stCondLst>
+                            <p:childTnLst>
+                              <p:par>
+                                <p:cTn id="13" presetID="1" presetClass="entr" presetSubtype="0" fill="hold" nodeType="clickEffect">
+                                  <p:stCondLst>
+                                    <p:cond delay="0"/>
+                                  </p:stCondLst>
+                                  <p:childTnLst>
+                                    <p:set>
+                                      <p:cBhvr>
+                                        <p:cTn id="14" dur="1" fill="hold">
+                                          <p:stCondLst>
+                                            <p:cond delay="0"/>
+                                          </p:stCondLst>
+                                        </p:cTn>
+                                        <p:tgtEl>
+                                          <p:spTgt spid="14"/>
+                                        </p:tgtEl>
+                                        <p:attrNameLst>
+                                          <p:attrName>style.visibility</p:attrName>
+                                        </p:attrNameLst>
+                                      </p:cBhvr>
+                                      <p:to>
+                                        <p:strVal val="visible"/>
+                                      </p:to>
+                                    </p:set>
+                                  </p:childTnLst>
+                                  <p:subTnLst>
+                                    <p:set>
+                                      <p:cBhvr override="childStyle">
+                                        <p:cTn dur="1" fill="hold" display="0" masterRel="nextClick" afterEffect="1"/>
+                                        <p:tgtEl>
+                                          <p:spTgt spid="14"/>
+                                        </p:tgtEl>
+                                        <p:attrNameLst>
+                                          <p:attrName>style.visibility</p:attrName>
+                                        </p:attrNameLst>
+                                      </p:cBhvr>
+                                      <p:to>
+                                        <p:strVal val="hidden"/>
+                                      </p:to>
+                                    </p:set>
+                                  </p:subTnLst>
+                                </p:cTn>
+                              </p:par>
+                            </p:childTnLst>
+                          </p:cTn>
+                        </p:par>
+                      </p:childTnLst>
+                    </p:cTn>
+                  </p:par>
+                  <p:par>
+                    <p:cTn id="15" fill="hold">
+                      <p:stCondLst>
+                        <p:cond delay="indefinite"/>
+                      </p:stCondLst>
+                      <p:childTnLst>
+                        <p:par>
+                          <p:cTn id="16" fill="hold">
+                            <p:stCondLst>
+                              <p:cond delay="0"/>
+                            </p:stCondLst>
+                            <p:childTnLst>
+                              <p:par>
+                                <p:cTn id="17" presetID="1" presetClass="entr" presetSubtype="0" fill="hold" nodeType="clickEffect">
+                                  <p:stCondLst>
+                                    <p:cond delay="0"/>
+                                  </p:stCondLst>
+                                  <p:childTnLst>
+                                    <p:set>
+                                      <p:cBhvr>
+                                        <p:cTn id="18" dur="1" fill="hold">
+                                          <p:stCondLst>
+                                            <p:cond delay="0"/>
+                                          </p:stCondLst>
+                                        </p:cTn>
+                                        <p:tgtEl>
+                                          <p:spTgt spid="15"/>
+                                        </p:tgtEl>
+                                        <p:attrNameLst>
+                                          <p:attrName>style.visibility</p:attrName>
+                                        </p:attrNameLst>
+                                      </p:cBhvr>
+                                      <p:to>
+                                        <p:strVal val="visible"/>
+                                      </p:to>
+                                    </p:set>
+                                  </p:childTnLst>
+                                </p:cTn>
+                              </p:par>
+                            </p:childTnLst>
+                          </p:cTn>
+                        </p:par>
+                      </p:childTnLst>
+                    </p:cTn>
+                  </p:par>
+                </p:childTnLst>
+              </p:cTn>
+              <p:prevCondLst>
+                <p:cond evt="onPrev" delay="0">
+                  <p:tgtEl>
+                    <p:sldTgt/>
+                  </p:tgtEl>
+                </p:cond>
+              </p:prevCondLst>
+              <p:nextCondLst>
+                <p:cond evt="onNext" delay="0">
+                  <p:tgtEl>
+                    <p:sldTgt/>
+                  </p:tgtEl>
+                </p:cond>
+              </p:nextCondLst>
+            </p:seq>
+          </p:childTnLst>
+        </p:cTn>
+      </p:par>
+    </p:tnLst>
+  </p:timing>
 </p:sld>
 </file>
 
